--- a/Lectures/Lecture6/Lesson6.pptx
+++ b/Lectures/Lecture6/Lesson6.pptx
@@ -646,15 +646,7 @@
           <a:p>
             <a:r>
               <a:rPr lang="en-US" dirty="0"/>
-              <a:t>Show how the state</a:t>
-            </a:r>
-            <a:r>
-              <a:rPr lang="en-US"/>
-              <a:t>, props </a:t>
-            </a:r>
-            <a:r>
-              <a:rPr lang="en-US" dirty="0"/>
-              <a:t>works </a:t>
+              <a:t>Show how the states, props works </a:t>
             </a:r>
           </a:p>
         </p:txBody>
@@ -663,6 +655,75 @@
     <p:extLst>
       <p:ext uri="{BB962C8B-B14F-4D97-AF65-F5344CB8AC3E}">
         <p14:creationId xmlns:p14="http://schemas.microsoft.com/office/powerpoint/2010/main" val="962799550"/>
+      </p:ext>
+    </p:extLst>
+  </p:cSld>
+  <p:clrMapOvr>
+    <a:masterClrMapping/>
+  </p:clrMapOvr>
+</p:notes>
+</file>
+
+<file path=ppt/notesSlides/notesSlide3.xml><?xml version="1.0" encoding="utf-8"?>
+<p:notes xmlns:a="http://schemas.openxmlformats.org/drawingml/2006/main" xmlns:r="http://schemas.openxmlformats.org/officeDocument/2006/relationships" xmlns:p="http://schemas.openxmlformats.org/presentationml/2006/main">
+  <p:cSld>
+    <p:spTree>
+      <p:nvGrpSpPr>
+        <p:cNvPr id="1" name=""/>
+        <p:cNvGrpSpPr/>
+        <p:nvPr/>
+      </p:nvGrpSpPr>
+      <p:grpSpPr>
+        <a:xfrm>
+          <a:off x="0" y="0"/>
+          <a:ext cx="0" cy="0"/>
+          <a:chOff x="0" y="0"/>
+          <a:chExt cx="0" cy="0"/>
+        </a:xfrm>
+      </p:grpSpPr>
+      <p:sp>
+        <p:nvSpPr>
+          <p:cNvPr id="2" name="Slide Image Placeholder 1"/>
+          <p:cNvSpPr>
+            <a:spLocks noGrp="1" noRot="1" noChangeAspect="1"/>
+          </p:cNvSpPr>
+          <p:nvPr>
+            <p:ph type="sldImg"/>
+          </p:nvPr>
+        </p:nvSpPr>
+        <p:spPr/>
+      </p:sp>
+      <p:sp>
+        <p:nvSpPr>
+          <p:cNvPr id="3" name="Notes Placeholder 2"/>
+          <p:cNvSpPr>
+            <a:spLocks noGrp="1"/>
+          </p:cNvSpPr>
+          <p:nvPr>
+            <p:ph type="body" idx="1"/>
+          </p:nvPr>
+        </p:nvSpPr>
+        <p:spPr/>
+        <p:txBody>
+          <a:bodyPr/>
+          <a:lstStyle/>
+          <a:p>
+            <a:r>
+              <a:rPr lang="en-US" dirty="0"/>
+              <a:t>Build the </a:t>
+            </a:r>
+            <a:r>
+              <a:rPr lang="en-US"/>
+              <a:t>movie components </a:t>
+            </a:r>
+            <a:endParaRPr lang="en-US" dirty="0"/>
+          </a:p>
+        </p:txBody>
+      </p:sp>
+    </p:spTree>
+    <p:extLst>
+      <p:ext uri="{BB962C8B-B14F-4D97-AF65-F5344CB8AC3E}">
+        <p14:creationId xmlns:p14="http://schemas.microsoft.com/office/powerpoint/2010/main" val="179071438"/>
       </p:ext>
     </p:extLst>
   </p:cSld>
@@ -6517,6 +6578,41 @@
                 <a:spcPts val="0"/>
               </a:spcBef>
             </a:pPr>
+            <a:r>
+              <a:rPr lang="en-US" sz="2500" dirty="0">
+                <a:latin typeface="Calibri" panose="020F0502020204030204" pitchFamily="34" charset="0"/>
+                <a:cs typeface="Calibri" panose="020F0502020204030204" pitchFamily="34" charset="0"/>
+              </a:rPr>
+              <a:t>React has a v</a:t>
+            </a:r>
+            <a:r>
+              <a:rPr sz="2500" dirty="0">
+                <a:latin typeface="Calibri" panose="020F0502020204030204" pitchFamily="34" charset="0"/>
+                <a:cs typeface="Calibri" panose="020F0502020204030204" pitchFamily="34" charset="0"/>
+              </a:rPr>
+              <a:t>irtual DOM</a:t>
+            </a:r>
+            <a:endParaRPr lang="en-US" sz="2500" dirty="0">
+              <a:latin typeface="Calibri" panose="020F0502020204030204" pitchFamily="34" charset="0"/>
+              <a:cs typeface="Calibri" panose="020F0502020204030204" pitchFamily="34" charset="0"/>
+            </a:endParaRPr>
+          </a:p>
+          <a:p>
+            <a:pPr lvl="1">
+              <a:lnSpc>
+                <a:spcPct val="150000"/>
+              </a:lnSpc>
+              <a:spcBef>
+                <a:spcPts val="0"/>
+              </a:spcBef>
+            </a:pPr>
+            <a:r>
+              <a:rPr lang="en-US" sz="2500" dirty="0">
+                <a:latin typeface="Calibri" panose="020F0502020204030204" pitchFamily="34" charset="0"/>
+                <a:cs typeface="Calibri" panose="020F0502020204030204" pitchFamily="34" charset="0"/>
+              </a:rPr>
+              <a:t>Structure of the virtual DOM is checked with the actual DOM</a:t>
+            </a:r>
             <a:endParaRPr sz="2500" dirty="0">
               <a:latin typeface="Calibri" panose="020F0502020204030204" pitchFamily="34" charset="0"/>
               <a:cs typeface="Calibri" panose="020F0502020204030204" pitchFamily="34" charset="0"/>
@@ -6536,40 +6632,142 @@
                 <a:latin typeface="Calibri" panose="020F0502020204030204" pitchFamily="34" charset="0"/>
                 <a:cs typeface="Calibri" panose="020F0502020204030204" pitchFamily="34" charset="0"/>
               </a:rPr>
-              <a:t>React has a v</a:t>
-            </a:r>
-            <a:r>
-              <a:rPr sz="2500" dirty="0">
-                <a:latin typeface="Calibri" panose="020F0502020204030204" pitchFamily="34" charset="0"/>
-                <a:cs typeface="Calibri" panose="020F0502020204030204" pitchFamily="34" charset="0"/>
-              </a:rPr>
-              <a:t>irtual DOM</a:t>
-            </a:r>
-            <a:endParaRPr lang="en-US" sz="2500" dirty="0">
-              <a:latin typeface="Calibri" panose="020F0502020204030204" pitchFamily="34" charset="0"/>
-              <a:cs typeface="Calibri" panose="020F0502020204030204" pitchFamily="34" charset="0"/>
-            </a:endParaRPr>
-          </a:p>
-          <a:p>
-            <a:pPr lvl="1">
+              <a:t>HTML elements are implemented through the use of JavaScript </a:t>
+            </a:r>
+            <a:r>
+              <a:rPr lang="en-US" sz="2500" dirty="0" err="1">
+                <a:latin typeface="Calibri" panose="020F0502020204030204" pitchFamily="34" charset="0"/>
+                <a:cs typeface="Calibri" panose="020F0502020204030204" pitchFamily="34" charset="0"/>
+              </a:rPr>
+              <a:t>eXtension</a:t>
+            </a:r>
+            <a:r>
+              <a:rPr lang="en-US" sz="2500" dirty="0">
+                <a:latin typeface="Calibri" panose="020F0502020204030204" pitchFamily="34" charset="0"/>
+                <a:cs typeface="Calibri" panose="020F0502020204030204" pitchFamily="34" charset="0"/>
+              </a:rPr>
+              <a:t> (JSX)</a:t>
+            </a:r>
+          </a:p>
+          <a:p>
+            <a:pPr marL="0" indent="0">
               <a:lnSpc>
                 <a:spcPct val="150000"/>
               </a:lnSpc>
               <a:spcBef>
                 <a:spcPts val="0"/>
               </a:spcBef>
-            </a:pPr>
-            <a:r>
-              <a:rPr lang="en-US" sz="2500" dirty="0">
-                <a:latin typeface="Calibri" panose="020F0502020204030204" pitchFamily="34" charset="0"/>
-                <a:cs typeface="Calibri" panose="020F0502020204030204" pitchFamily="34" charset="0"/>
-              </a:rPr>
-              <a:t>Structure of the virtual DOM is checked with the actual DOM</a:t>
-            </a:r>
-            <a:endParaRPr sz="2500" dirty="0">
-              <a:latin typeface="Calibri" panose="020F0502020204030204" pitchFamily="34" charset="0"/>
-              <a:cs typeface="Calibri" panose="020F0502020204030204" pitchFamily="34" charset="0"/>
-            </a:endParaRPr>
+              <a:buNone/>
+            </a:pPr>
+            <a:r>
+              <a:rPr lang="en-US" sz="2500" dirty="0">
+                <a:solidFill>
+                  <a:srgbClr val="00B050"/>
+                </a:solidFill>
+                <a:latin typeface="Calibri" panose="020F0502020204030204" pitchFamily="34" charset="0"/>
+                <a:cs typeface="Calibri" panose="020F0502020204030204" pitchFamily="34" charset="0"/>
+              </a:rPr>
+              <a:t>// in JSX. The bracket allows to write expressions</a:t>
+            </a:r>
+          </a:p>
+          <a:p>
+            <a:pPr marL="0" indent="0">
+              <a:lnSpc>
+                <a:spcPct val="150000"/>
+              </a:lnSpc>
+              <a:spcBef>
+                <a:spcPts val="0"/>
+              </a:spcBef>
+              <a:buNone/>
+            </a:pPr>
+            <a:r>
+              <a:rPr lang="en-US" sz="2500" dirty="0">
+                <a:solidFill>
+                  <a:srgbClr val="0070C0"/>
+                </a:solidFill>
+                <a:latin typeface="Calibri" panose="020F0502020204030204" pitchFamily="34" charset="0"/>
+                <a:cs typeface="Calibri" panose="020F0502020204030204" pitchFamily="34" charset="0"/>
+              </a:rPr>
+              <a:t>&lt;h1&gt; </a:t>
+            </a:r>
+            <a:r>
+              <a:rPr lang="en-US" sz="2500" dirty="0">
+                <a:latin typeface="Calibri" panose="020F0502020204030204" pitchFamily="34" charset="0"/>
+                <a:cs typeface="Calibri" panose="020F0502020204030204" pitchFamily="34" charset="0"/>
+              </a:rPr>
+              <a:t>{10+1} </a:t>
+            </a:r>
+            <a:r>
+              <a:rPr lang="en-US" sz="2500" dirty="0">
+                <a:solidFill>
+                  <a:srgbClr val="0070C0"/>
+                </a:solidFill>
+                <a:latin typeface="Calibri" panose="020F0502020204030204" pitchFamily="34" charset="0"/>
+                <a:cs typeface="Calibri" panose="020F0502020204030204" pitchFamily="34" charset="0"/>
+              </a:rPr>
+              <a:t>&lt;/h1&gt;</a:t>
+            </a:r>
+          </a:p>
+          <a:p>
+            <a:pPr marL="0" indent="0">
+              <a:lnSpc>
+                <a:spcPct val="150000"/>
+              </a:lnSpc>
+              <a:spcBef>
+                <a:spcPts val="0"/>
+              </a:spcBef>
+              <a:buNone/>
+            </a:pPr>
+            <a:r>
+              <a:rPr lang="en-US" sz="2500" dirty="0">
+                <a:solidFill>
+                  <a:schemeClr val="accent3">
+                    <a:lumMod val="75000"/>
+                  </a:schemeClr>
+                </a:solidFill>
+                <a:latin typeface="Calibri" panose="020F0502020204030204" pitchFamily="34" charset="0"/>
+                <a:cs typeface="Calibri" panose="020F0502020204030204" pitchFamily="34" charset="0"/>
+              </a:rPr>
+              <a:t>//in HTML</a:t>
+            </a:r>
+          </a:p>
+          <a:p>
+            <a:pPr marL="0" indent="0">
+              <a:lnSpc>
+                <a:spcPct val="150000"/>
+              </a:lnSpc>
+              <a:spcBef>
+                <a:spcPts val="0"/>
+              </a:spcBef>
+              <a:buNone/>
+            </a:pPr>
+            <a:r>
+              <a:rPr lang="en-US" sz="2500" dirty="0">
+                <a:solidFill>
+                  <a:srgbClr val="0070C0"/>
+                </a:solidFill>
+                <a:latin typeface="Calibri" panose="020F0502020204030204" pitchFamily="34" charset="0"/>
+                <a:cs typeface="Calibri" panose="020F0502020204030204" pitchFamily="34" charset="0"/>
+              </a:rPr>
+              <a:t>&lt;h1&gt; </a:t>
+            </a:r>
+            <a:r>
+              <a:rPr lang="en-US" sz="2500" dirty="0">
+                <a:latin typeface="Calibri" panose="020F0502020204030204" pitchFamily="34" charset="0"/>
+                <a:cs typeface="Calibri" panose="020F0502020204030204" pitchFamily="34" charset="0"/>
+              </a:rPr>
+              <a:t>11 </a:t>
+            </a:r>
+            <a:r>
+              <a:rPr lang="en-US" sz="2500" dirty="0">
+                <a:solidFill>
+                  <a:srgbClr val="0070C0"/>
+                </a:solidFill>
+                <a:latin typeface="Calibri" panose="020F0502020204030204" pitchFamily="34" charset="0"/>
+                <a:cs typeface="Calibri" panose="020F0502020204030204" pitchFamily="34" charset="0"/>
+              </a:rPr>
+              <a:t>&lt;/h1&gt;</a:t>
+            </a:r>
           </a:p>
           <a:p>
             <a:pPr>
@@ -6582,144 +6780,16 @@
             </a:pPr>
             <a:r>
               <a:rPr lang="en-US" sz="2500" dirty="0">
-                <a:latin typeface="Calibri" panose="020F0502020204030204" pitchFamily="34" charset="0"/>
-                <a:cs typeface="Calibri" panose="020F0502020204030204" pitchFamily="34" charset="0"/>
-              </a:rPr>
-              <a:t>HTML elements are implemented through the use of JavaScript </a:t>
-            </a:r>
-            <a:r>
-              <a:rPr lang="en-US" sz="2500" dirty="0" err="1">
-                <a:latin typeface="Calibri" panose="020F0502020204030204" pitchFamily="34" charset="0"/>
-                <a:cs typeface="Calibri" panose="020F0502020204030204" pitchFamily="34" charset="0"/>
-              </a:rPr>
-              <a:t>eXtension</a:t>
-            </a:r>
-            <a:r>
-              <a:rPr lang="en-US" sz="2500" dirty="0">
-                <a:latin typeface="Calibri" panose="020F0502020204030204" pitchFamily="34" charset="0"/>
-                <a:cs typeface="Calibri" panose="020F0502020204030204" pitchFamily="34" charset="0"/>
-              </a:rPr>
-              <a:t> (JSX)</a:t>
-            </a:r>
-          </a:p>
-          <a:p>
-            <a:pPr marL="0" indent="0">
-              <a:lnSpc>
-                <a:spcPct val="150000"/>
-              </a:lnSpc>
-              <a:spcBef>
-                <a:spcPts val="0"/>
-              </a:spcBef>
-              <a:buNone/>
-            </a:pPr>
-            <a:r>
-              <a:rPr lang="en-US" sz="2500" dirty="0">
-                <a:solidFill>
-                  <a:srgbClr val="00B050"/>
-                </a:solidFill>
-                <a:latin typeface="Calibri" panose="020F0502020204030204" pitchFamily="34" charset="0"/>
-                <a:cs typeface="Calibri" panose="020F0502020204030204" pitchFamily="34" charset="0"/>
-              </a:rPr>
-              <a:t>// in JSX. The bracket allows to write expressions</a:t>
-            </a:r>
-          </a:p>
-          <a:p>
-            <a:pPr marL="0" indent="0">
-              <a:lnSpc>
-                <a:spcPct val="150000"/>
-              </a:lnSpc>
-              <a:spcBef>
-                <a:spcPts val="0"/>
-              </a:spcBef>
-              <a:buNone/>
-            </a:pPr>
-            <a:r>
-              <a:rPr lang="en-US" sz="2500" dirty="0">
-                <a:solidFill>
-                  <a:srgbClr val="0070C0"/>
-                </a:solidFill>
-                <a:latin typeface="Calibri" panose="020F0502020204030204" pitchFamily="34" charset="0"/>
-                <a:cs typeface="Calibri" panose="020F0502020204030204" pitchFamily="34" charset="0"/>
-              </a:rPr>
-              <a:t>&lt;h1&gt; </a:t>
-            </a:r>
-            <a:r>
-              <a:rPr lang="en-US" sz="2500" dirty="0">
-                <a:latin typeface="Calibri" panose="020F0502020204030204" pitchFamily="34" charset="0"/>
-                <a:cs typeface="Calibri" panose="020F0502020204030204" pitchFamily="34" charset="0"/>
-              </a:rPr>
-              <a:t>{10+1} </a:t>
-            </a:r>
-            <a:r>
-              <a:rPr lang="en-US" sz="2500" dirty="0">
-                <a:solidFill>
-                  <a:srgbClr val="0070C0"/>
-                </a:solidFill>
-                <a:latin typeface="Calibri" panose="020F0502020204030204" pitchFamily="34" charset="0"/>
-                <a:cs typeface="Calibri" panose="020F0502020204030204" pitchFamily="34" charset="0"/>
-              </a:rPr>
-              <a:t>&lt;/h1&gt;</a:t>
-            </a:r>
-          </a:p>
-          <a:p>
-            <a:pPr marL="0" indent="0">
-              <a:lnSpc>
-                <a:spcPct val="150000"/>
-              </a:lnSpc>
-              <a:spcBef>
-                <a:spcPts val="0"/>
-              </a:spcBef>
-              <a:buNone/>
-            </a:pPr>
-            <a:r>
-              <a:rPr lang="en-US" sz="2500" dirty="0">
-                <a:solidFill>
-                  <a:schemeClr val="accent3">
-                    <a:lumMod val="75000"/>
+                <a:solidFill>
+                  <a:schemeClr val="tx1">
+                    <a:lumMod val="85000"/>
+                    <a:lumOff val="15000"/>
                   </a:schemeClr>
                 </a:solidFill>
                 <a:latin typeface="Calibri" panose="020F0502020204030204" pitchFamily="34" charset="0"/>
                 <a:cs typeface="Calibri" panose="020F0502020204030204" pitchFamily="34" charset="0"/>
               </a:rPr>
-              <a:t>//in HTML</a:t>
-            </a:r>
-          </a:p>
-          <a:p>
-            <a:pPr marL="0" indent="0">
-              <a:lnSpc>
-                <a:spcPct val="150000"/>
-              </a:lnSpc>
-              <a:spcBef>
-                <a:spcPts val="0"/>
-              </a:spcBef>
-              <a:buNone/>
-            </a:pPr>
-            <a:r>
-              <a:rPr lang="en-US" sz="2500" dirty="0">
-                <a:solidFill>
-                  <a:srgbClr val="0070C0"/>
-                </a:solidFill>
-                <a:latin typeface="Calibri" panose="020F0502020204030204" pitchFamily="34" charset="0"/>
-                <a:cs typeface="Calibri" panose="020F0502020204030204" pitchFamily="34" charset="0"/>
-              </a:rPr>
-              <a:t>&lt;h1&gt; </a:t>
-            </a:r>
-            <a:r>
-              <a:rPr lang="en-US" sz="2500" dirty="0">
-                <a:latin typeface="Calibri" panose="020F0502020204030204" pitchFamily="34" charset="0"/>
-                <a:cs typeface="Calibri" panose="020F0502020204030204" pitchFamily="34" charset="0"/>
-              </a:rPr>
-              <a:t>11 </a:t>
-            </a:r>
-            <a:r>
-              <a:rPr lang="en-US" sz="2500" dirty="0">
-                <a:solidFill>
-                  <a:srgbClr val="0070C0"/>
-                </a:solidFill>
-                <a:latin typeface="Calibri" panose="020F0502020204030204" pitchFamily="34" charset="0"/>
-                <a:cs typeface="Calibri" panose="020F0502020204030204" pitchFamily="34" charset="0"/>
-              </a:rPr>
-              <a:t>&lt;/h1&gt;</a:t>
+              <a:t>React components render JSX elements as HTML elements</a:t>
             </a:r>
           </a:p>
           <a:p>
@@ -6733,23 +6803,10 @@
             </a:pPr>
             <a:r>
               <a:rPr lang="en-US" sz="2500" dirty="0">
-                <a:solidFill>
-                  <a:schemeClr val="tx1">
-                    <a:lumMod val="85000"/>
-                    <a:lumOff val="15000"/>
-                  </a:schemeClr>
-                </a:solidFill>
-                <a:latin typeface="Calibri" panose="020F0502020204030204" pitchFamily="34" charset="0"/>
-                <a:cs typeface="Calibri" panose="020F0502020204030204" pitchFamily="34" charset="0"/>
-              </a:rPr>
-              <a:t>React components render JSX elements as HTML elements</a:t>
-            </a:r>
-            <a:r>
-              <a:rPr lang="en-US" sz="2500" dirty="0">
-                <a:latin typeface="Calibri" panose="020F0502020204030204" pitchFamily="34" charset="0"/>
-                <a:cs typeface="Calibri" panose="020F0502020204030204" pitchFamily="34" charset="0"/>
-              </a:rPr>
-              <a:t>	</a:t>
+                <a:latin typeface="Calibri" panose="020F0502020204030204" pitchFamily="34" charset="0"/>
+                <a:cs typeface="Calibri" panose="020F0502020204030204" pitchFamily="34" charset="0"/>
+              </a:rPr>
+              <a:t>React builds the requested DOM part dynamically	</a:t>
             </a:r>
           </a:p>
           <a:p>
@@ -6795,7 +6852,7 @@
         </p:blipFill>
         <p:spPr>
           <a:xfrm>
-            <a:off x="8447064" y="1003921"/>
+            <a:off x="8574654" y="514824"/>
             <a:ext cx="3926032" cy="2818157"/>
           </a:xfrm>
           <a:prstGeom prst="rect">
@@ -7980,7 +8037,7 @@
         </p:spPr>
         <p:txBody>
           <a:bodyPr>
-            <a:normAutofit fontScale="92500" lnSpcReduction="20000"/>
+            <a:normAutofit fontScale="92500" lnSpcReduction="10000"/>
           </a:bodyPr>
           <a:lstStyle/>
           <a:p>
@@ -8034,15 +8091,15 @@
             </a:r>
             <a:r>
               <a:rPr dirty="0"/>
-              <a:t>– Client and server side </a:t>
-            </a:r>
-            <a:r>
-              <a:rPr dirty="0" err="1"/>
-              <a:t>componenet</a:t>
+              <a:t>–</a:t>
+            </a:r>
+            <a:r>
+              <a:rPr lang="en-US" dirty="0"/>
+              <a:t> </a:t>
             </a:r>
             <a:r>
               <a:rPr dirty="0"/>
-              <a:t> Will Occur only once (before)</a:t>
+              <a:t>Occur only once (before)</a:t>
             </a:r>
           </a:p>
           <a:p>
@@ -8081,7 +8138,15 @@
             </a:r>
             <a:r>
               <a:rPr dirty="0"/>
-              <a:t>– Only once (after)</a:t>
+              <a:t>– </a:t>
+            </a:r>
+            <a:r>
+              <a:rPr lang="en-US" dirty="0"/>
+              <a:t>Occur o</a:t>
+            </a:r>
+            <a:r>
+              <a:rPr dirty="0"/>
+              <a:t>nly once (after)</a:t>
             </a:r>
           </a:p>
           <a:p>
